--- a/Arduino入門.pptx
+++ b/Arduino入門.pptx
@@ -10,20 +10,22 @@
     <p:sldId id="265" r:id="rId4"/>
     <p:sldId id="257" r:id="rId5"/>
     <p:sldId id="266" r:id="rId6"/>
-    <p:sldId id="270" r:id="rId7"/>
-    <p:sldId id="263" r:id="rId8"/>
-    <p:sldId id="268" r:id="rId9"/>
-    <p:sldId id="271" r:id="rId10"/>
-    <p:sldId id="264" r:id="rId11"/>
-    <p:sldId id="267" r:id="rId12"/>
-    <p:sldId id="272" r:id="rId13"/>
-    <p:sldId id="258" r:id="rId14"/>
-    <p:sldId id="259" r:id="rId15"/>
-    <p:sldId id="262" r:id="rId16"/>
-    <p:sldId id="273" r:id="rId17"/>
-    <p:sldId id="260" r:id="rId18"/>
-    <p:sldId id="274" r:id="rId19"/>
-    <p:sldId id="261" r:id="rId20"/>
+    <p:sldId id="263" r:id="rId7"/>
+    <p:sldId id="268" r:id="rId8"/>
+    <p:sldId id="275" r:id="rId9"/>
+    <p:sldId id="276" r:id="rId10"/>
+    <p:sldId id="271" r:id="rId11"/>
+    <p:sldId id="277" r:id="rId12"/>
+    <p:sldId id="264" r:id="rId13"/>
+    <p:sldId id="267" r:id="rId14"/>
+    <p:sldId id="272" r:id="rId15"/>
+    <p:sldId id="258" r:id="rId16"/>
+    <p:sldId id="259" r:id="rId17"/>
+    <p:sldId id="262" r:id="rId18"/>
+    <p:sldId id="273" r:id="rId19"/>
+    <p:sldId id="260" r:id="rId20"/>
+    <p:sldId id="274" r:id="rId21"/>
+    <p:sldId id="261" r:id="rId22"/>
   </p:sldIdLst>
   <p:sldSz cx="12192000" cy="6858000"/>
   <p:notesSz cx="6858000" cy="9144000"/>
@@ -4406,7 +4408,7 @@
           <a:p>
             <a:fld id="{48A87A34-81AB-432B-8DAE-1953F412C126}" type="datetimeFigureOut">
               <a:rPr lang="en-US" dirty="0"/>
-              <a:t>12/4/2020</a:t>
+              <a:t>12/11/2020</a:t>
             </a:fld>
             <a:endParaRPr lang="en-US" dirty="0"/>
           </a:p>
@@ -4668,7 +4670,7 @@
           <a:p>
             <a:fld id="{48A87A34-81AB-432B-8DAE-1953F412C126}" type="datetimeFigureOut">
               <a:rPr lang="en-US" dirty="0"/>
-              <a:t>12/4/2020</a:t>
+              <a:t>12/11/2020</a:t>
             </a:fld>
             <a:endParaRPr lang="en-US" dirty="0"/>
           </a:p>
@@ -4859,7 +4861,7 @@
           <a:p>
             <a:fld id="{48A87A34-81AB-432B-8DAE-1953F412C126}" type="datetimeFigureOut">
               <a:rPr lang="en-US" dirty="0"/>
-              <a:t>12/4/2020</a:t>
+              <a:t>12/11/2020</a:t>
             </a:fld>
             <a:endParaRPr lang="en-US" dirty="0"/>
           </a:p>
@@ -5117,7 +5119,7 @@
           <a:p>
             <a:fld id="{48A87A34-81AB-432B-8DAE-1953F412C126}" type="datetimeFigureOut">
               <a:rPr lang="en-US" dirty="0"/>
-              <a:t>12/4/2020</a:t>
+              <a:t>12/11/2020</a:t>
             </a:fld>
             <a:endParaRPr lang="en-US" dirty="0"/>
           </a:p>
@@ -5546,7 +5548,7 @@
           <a:p>
             <a:fld id="{48A87A34-81AB-432B-8DAE-1953F412C126}" type="datetimeFigureOut">
               <a:rPr lang="en-US" dirty="0"/>
-              <a:t>12/4/2020</a:t>
+              <a:t>12/11/2020</a:t>
             </a:fld>
             <a:endParaRPr lang="en-US" dirty="0"/>
           </a:p>
@@ -6087,7 +6089,7 @@
           <a:p>
             <a:fld id="{48A87A34-81AB-432B-8DAE-1953F412C126}" type="datetimeFigureOut">
               <a:rPr lang="en-US" dirty="0"/>
-              <a:t>12/4/2020</a:t>
+              <a:t>12/11/2020</a:t>
             </a:fld>
             <a:endParaRPr lang="en-US" dirty="0"/>
           </a:p>
@@ -6802,7 +6804,7 @@
           <a:p>
             <a:fld id="{48A87A34-81AB-432B-8DAE-1953F412C126}" type="datetimeFigureOut">
               <a:rPr lang="en-US" dirty="0"/>
-              <a:t>12/4/2020</a:t>
+              <a:t>12/11/2020</a:t>
             </a:fld>
             <a:endParaRPr lang="en-US" dirty="0"/>
           </a:p>
@@ -6967,7 +6969,7 @@
           <a:p>
             <a:fld id="{48A87A34-81AB-432B-8DAE-1953F412C126}" type="datetimeFigureOut">
               <a:rPr lang="en-US" dirty="0"/>
-              <a:t>12/4/2020</a:t>
+              <a:t>12/11/2020</a:t>
             </a:fld>
             <a:endParaRPr lang="en-US" dirty="0"/>
           </a:p>
@@ -7142,7 +7144,7 @@
           <a:p>
             <a:fld id="{48A87A34-81AB-432B-8DAE-1953F412C126}" type="datetimeFigureOut">
               <a:rPr lang="en-US" dirty="0"/>
-              <a:t>12/4/2020</a:t>
+              <a:t>12/11/2020</a:t>
             </a:fld>
             <a:endParaRPr lang="en-US" dirty="0"/>
           </a:p>
@@ -7307,7 +7309,7 @@
           <a:p>
             <a:fld id="{48A87A34-81AB-432B-8DAE-1953F412C126}" type="datetimeFigureOut">
               <a:rPr lang="en-US" dirty="0"/>
-              <a:t>12/4/2020</a:t>
+              <a:t>12/11/2020</a:t>
             </a:fld>
             <a:endParaRPr lang="en-US" dirty="0"/>
           </a:p>
@@ -7552,7 +7554,7 @@
           <a:p>
             <a:fld id="{48A87A34-81AB-432B-8DAE-1953F412C126}" type="datetimeFigureOut">
               <a:rPr lang="en-US" dirty="0"/>
-              <a:t>12/4/2020</a:t>
+              <a:t>12/11/2020</a:t>
             </a:fld>
             <a:endParaRPr lang="en-US" dirty="0"/>
           </a:p>
@@ -7779,7 +7781,7 @@
           <a:p>
             <a:fld id="{48A87A34-81AB-432B-8DAE-1953F412C126}" type="datetimeFigureOut">
               <a:rPr lang="en-US" dirty="0"/>
-              <a:t>12/4/2020</a:t>
+              <a:t>12/11/2020</a:t>
             </a:fld>
             <a:endParaRPr lang="en-US" dirty="0"/>
           </a:p>
@@ -8155,7 +8157,7 @@
           <a:p>
             <a:fld id="{48A87A34-81AB-432B-8DAE-1953F412C126}" type="datetimeFigureOut">
               <a:rPr lang="en-US" dirty="0"/>
-              <a:t>12/4/2020</a:t>
+              <a:t>12/11/2020</a:t>
             </a:fld>
             <a:endParaRPr lang="en-US" dirty="0"/>
           </a:p>
@@ -8268,7 +8270,7 @@
           <a:p>
             <a:fld id="{48A87A34-81AB-432B-8DAE-1953F412C126}" type="datetimeFigureOut">
               <a:rPr lang="en-US" dirty="0"/>
-              <a:t>12/4/2020</a:t>
+              <a:t>12/11/2020</a:t>
             </a:fld>
             <a:endParaRPr lang="en-US" dirty="0"/>
           </a:p>
@@ -8358,7 +8360,7 @@
           <a:p>
             <a:fld id="{48A87A34-81AB-432B-8DAE-1953F412C126}" type="datetimeFigureOut">
               <a:rPr lang="en-US" dirty="0"/>
-              <a:t>12/4/2020</a:t>
+              <a:t>12/11/2020</a:t>
             </a:fld>
             <a:endParaRPr lang="en-US" dirty="0"/>
           </a:p>
@@ -8602,7 +8604,7 @@
           <a:p>
             <a:fld id="{48A87A34-81AB-432B-8DAE-1953F412C126}" type="datetimeFigureOut">
               <a:rPr lang="en-US" dirty="0"/>
-              <a:t>12/4/2020</a:t>
+              <a:t>12/11/2020</a:t>
             </a:fld>
             <a:endParaRPr lang="en-US" dirty="0"/>
           </a:p>
@@ -8877,7 +8879,7 @@
           <a:p>
             <a:fld id="{48A87A34-81AB-432B-8DAE-1953F412C126}" type="datetimeFigureOut">
               <a:rPr lang="en-US" dirty="0"/>
-              <a:t>12/4/2020</a:t>
+              <a:t>12/11/2020</a:t>
             </a:fld>
             <a:endParaRPr lang="en-US" dirty="0"/>
           </a:p>
@@ -11950,7 +11952,7 @@
             <a:fld id="{48A87A34-81AB-432B-8DAE-1953F412C126}" type="datetimeFigureOut">
               <a:rPr lang="en-US" dirty="0"/>
               <a:pPr/>
-              <a:t>12/4/2020</a:t>
+              <a:t>12/11/2020</a:t>
             </a:fld>
             <a:endParaRPr lang="en-US" dirty="0"/>
           </a:p>
@@ -12471,6 +12473,278 @@
             <p:ph type="title"/>
           </p:nvPr>
         </p:nvSpPr>
+        <p:spPr>
+          <a:xfrm>
+            <a:off x="1141413" y="187695"/>
+            <a:ext cx="9905998" cy="1478570"/>
+          </a:xfrm>
+        </p:spPr>
+        <p:txBody>
+          <a:bodyPr/>
+          <a:lstStyle/>
+          <a:p>
+            <a:r>
+              <a:rPr lang="en-US" dirty="0" smtClean="0"/>
+              <a:t>Analog</a:t>
+            </a:r>
+            <a:endParaRPr lang="en-US" dirty="0"/>
+          </a:p>
+        </p:txBody>
+      </p:sp>
+      <p:pic>
+        <p:nvPicPr>
+          <p:cNvPr id="6" name="內容版面配置區 5"/>
+          <p:cNvPicPr>
+            <a:picLocks noGrp="1" noChangeAspect="1"/>
+          </p:cNvPicPr>
+          <p:nvPr>
+            <p:ph idx="1"/>
+          </p:nvPr>
+        </p:nvPicPr>
+        <p:blipFill>
+          <a:blip r:embed="rId2">
+            <a:extLst>
+              <a:ext uri="{28A0092B-C50C-407E-A947-70E740481C1C}">
+                <a14:useLocalDpi xmlns:a14="http://schemas.microsoft.com/office/drawing/2010/main" val="0"/>
+              </a:ext>
+            </a:extLst>
+          </a:blip>
+          <a:stretch>
+            <a:fillRect/>
+          </a:stretch>
+        </p:blipFill>
+        <p:spPr>
+          <a:xfrm>
+            <a:off x="5701909" y="552572"/>
+            <a:ext cx="5345502" cy="4670059"/>
+          </a:xfrm>
+        </p:spPr>
+      </p:pic>
+      <p:pic>
+        <p:nvPicPr>
+          <p:cNvPr id="7" name="圖片 6"/>
+          <p:cNvPicPr>
+            <a:picLocks noChangeAspect="1"/>
+          </p:cNvPicPr>
+          <p:nvPr/>
+        </p:nvPicPr>
+        <p:blipFill>
+          <a:blip r:embed="rId3"/>
+          <a:stretch>
+            <a:fillRect/>
+          </a:stretch>
+        </p:blipFill>
+        <p:spPr>
+          <a:xfrm>
+            <a:off x="1141413" y="1294624"/>
+            <a:ext cx="3943900" cy="5563376"/>
+          </a:xfrm>
+          <a:prstGeom prst="rect">
+            <a:avLst/>
+          </a:prstGeom>
+        </p:spPr>
+      </p:pic>
+    </p:spTree>
+    <p:extLst>
+      <p:ext uri="{BB962C8B-B14F-4D97-AF65-F5344CB8AC3E}">
+        <p14:creationId xmlns:p14="http://schemas.microsoft.com/office/powerpoint/2010/main" val="2194161418"/>
+      </p:ext>
+    </p:extLst>
+  </p:cSld>
+  <p:clrMapOvr>
+    <a:masterClrMapping/>
+  </p:clrMapOvr>
+</p:sld>
+</file>
+
+<file path=ppt/slides/slide11.xml><?xml version="1.0" encoding="utf-8"?>
+<p:sld xmlns:a="http://schemas.openxmlformats.org/drawingml/2006/main" xmlns:r="http://schemas.openxmlformats.org/officeDocument/2006/relationships" xmlns:p="http://schemas.openxmlformats.org/presentationml/2006/main">
+  <p:cSld>
+    <p:spTree>
+      <p:nvGrpSpPr>
+        <p:cNvPr id="1" name=""/>
+        <p:cNvGrpSpPr/>
+        <p:nvPr/>
+      </p:nvGrpSpPr>
+      <p:grpSpPr>
+        <a:xfrm>
+          <a:off x="0" y="0"/>
+          <a:ext cx="0" cy="0"/>
+          <a:chOff x="0" y="0"/>
+          <a:chExt cx="0" cy="0"/>
+        </a:xfrm>
+      </p:grpSpPr>
+      <p:sp>
+        <p:nvSpPr>
+          <p:cNvPr id="2" name="標題 1"/>
+          <p:cNvSpPr>
+            <a:spLocks noGrp="1"/>
+          </p:cNvSpPr>
+          <p:nvPr>
+            <p:ph type="title"/>
+          </p:nvPr>
+        </p:nvSpPr>
+        <p:spPr/>
+        <p:txBody>
+          <a:bodyPr/>
+          <a:lstStyle/>
+          <a:p>
+            <a:r>
+              <a:rPr lang="zh-TW" altLang="en-US" dirty="0" smtClean="0"/>
+              <a:t>電路解析</a:t>
+            </a:r>
+            <a:endParaRPr lang="en-US" dirty="0"/>
+          </a:p>
+        </p:txBody>
+      </p:sp>
+      <p:pic>
+        <p:nvPicPr>
+          <p:cNvPr id="4" name="內容版面配置區 5"/>
+          <p:cNvPicPr>
+            <a:picLocks noChangeAspect="1"/>
+          </p:cNvPicPr>
+          <p:nvPr/>
+        </p:nvPicPr>
+        <p:blipFill>
+          <a:blip r:embed="rId2">
+            <a:extLst>
+              <a:ext uri="{28A0092B-C50C-407E-A947-70E740481C1C}">
+                <a14:useLocalDpi xmlns:a14="http://schemas.microsoft.com/office/drawing/2010/main" val="0"/>
+              </a:ext>
+            </a:extLst>
+          </a:blip>
+          <a:stretch>
+            <a:fillRect/>
+          </a:stretch>
+        </p:blipFill>
+        <p:spPr>
+          <a:xfrm>
+            <a:off x="1141412" y="1880210"/>
+            <a:ext cx="5345502" cy="4670059"/>
+          </a:xfrm>
+          <a:prstGeom prst="rect">
+            <a:avLst/>
+          </a:prstGeom>
+        </p:spPr>
+      </p:pic>
+      <p:pic>
+        <p:nvPicPr>
+          <p:cNvPr id="5" name="圖片 4"/>
+          <p:cNvPicPr>
+            <a:picLocks noChangeAspect="1"/>
+          </p:cNvPicPr>
+          <p:nvPr/>
+        </p:nvPicPr>
+        <p:blipFill>
+          <a:blip r:embed="rId3"/>
+          <a:stretch>
+            <a:fillRect/>
+          </a:stretch>
+        </p:blipFill>
+        <p:spPr>
+          <a:xfrm>
+            <a:off x="7284511" y="1880210"/>
+            <a:ext cx="3762900" cy="4048690"/>
+          </a:xfrm>
+          <a:prstGeom prst="rect">
+            <a:avLst/>
+          </a:prstGeom>
+        </p:spPr>
+      </p:pic>
+      <p:sp>
+        <p:nvSpPr>
+          <p:cNvPr id="6" name="文字方塊 5"/>
+          <p:cNvSpPr txBox="1"/>
+          <p:nvPr/>
+        </p:nvSpPr>
+        <p:spPr>
+          <a:xfrm>
+            <a:off x="6818368" y="6180937"/>
+            <a:ext cx="4229043" cy="369332"/>
+          </a:xfrm>
+          <a:prstGeom prst="rect">
+            <a:avLst/>
+          </a:prstGeom>
+          <a:noFill/>
+        </p:spPr>
+        <p:txBody>
+          <a:bodyPr wrap="none" rtlCol="0">
+            <a:spAutoFit/>
+          </a:bodyPr>
+          <a:lstStyle/>
+          <a:p>
+            <a:r>
+              <a:rPr lang="en-US" altLang="zh-TW" dirty="0" smtClean="0"/>
+              <a:t>(</a:t>
+            </a:r>
+            <a:r>
+              <a:rPr lang="zh-TW" altLang="en-US" dirty="0" smtClean="0"/>
+              <a:t>*</a:t>
+            </a:r>
+            <a:r>
+              <a:rPr lang="en-US" altLang="zh-TW" dirty="0" smtClean="0"/>
+              <a:t>LED</a:t>
+            </a:r>
+            <a:r>
+              <a:rPr lang="zh-TW" altLang="en-US" dirty="0" smtClean="0"/>
+              <a:t>所需電阻為工作電壓除以</a:t>
+            </a:r>
+            <a:r>
+              <a:rPr lang="en-US" altLang="zh-TW" dirty="0" smtClean="0">
+                <a:solidFill>
+                  <a:srgbClr val="FFC000"/>
+                </a:solidFill>
+              </a:rPr>
+              <a:t>15~20mA</a:t>
+            </a:r>
+            <a:r>
+              <a:rPr lang="en-US" altLang="zh-TW" dirty="0" smtClean="0"/>
+              <a:t>)</a:t>
+            </a:r>
+            <a:endParaRPr lang="en-US" dirty="0"/>
+          </a:p>
+        </p:txBody>
+      </p:sp>
+    </p:spTree>
+    <p:extLst>
+      <p:ext uri="{BB962C8B-B14F-4D97-AF65-F5344CB8AC3E}">
+        <p14:creationId xmlns:p14="http://schemas.microsoft.com/office/powerpoint/2010/main" val="3580404199"/>
+      </p:ext>
+    </p:extLst>
+  </p:cSld>
+  <p:clrMapOvr>
+    <a:masterClrMapping/>
+  </p:clrMapOvr>
+</p:sld>
+</file>
+
+<file path=ppt/slides/slide12.xml><?xml version="1.0" encoding="utf-8"?>
+<p:sld xmlns:a="http://schemas.openxmlformats.org/drawingml/2006/main" xmlns:r="http://schemas.openxmlformats.org/officeDocument/2006/relationships" xmlns:p="http://schemas.openxmlformats.org/presentationml/2006/main">
+  <p:cSld>
+    <p:spTree>
+      <p:nvGrpSpPr>
+        <p:cNvPr id="1" name=""/>
+        <p:cNvGrpSpPr/>
+        <p:nvPr/>
+      </p:nvGrpSpPr>
+      <p:grpSpPr>
+        <a:xfrm>
+          <a:off x="0" y="0"/>
+          <a:ext cx="0" cy="0"/>
+          <a:chOff x="0" y="0"/>
+          <a:chExt cx="0" cy="0"/>
+        </a:xfrm>
+      </p:grpSpPr>
+      <p:sp>
+        <p:nvSpPr>
+          <p:cNvPr id="2" name="標題 1"/>
+          <p:cNvSpPr>
+            <a:spLocks noGrp="1"/>
+          </p:cNvSpPr>
+          <p:nvPr>
+            <p:ph type="title"/>
+          </p:nvPr>
+        </p:nvSpPr>
         <p:spPr/>
         <p:txBody>
           <a:bodyPr/>
@@ -12540,7 +12814,7 @@
 </p:sld>
 </file>
 
-<file path=ppt/slides/slide11.xml><?xml version="1.0" encoding="utf-8"?>
+<file path=ppt/slides/slide13.xml><?xml version="1.0" encoding="utf-8"?>
 <p:sld xmlns:a="http://schemas.openxmlformats.org/drawingml/2006/main" xmlns:r="http://schemas.openxmlformats.org/officeDocument/2006/relationships" xmlns:p="http://schemas.openxmlformats.org/presentationml/2006/main">
   <p:cSld>
     <p:spTree>
@@ -12631,7 +12905,7 @@
 </p:sld>
 </file>
 
-<file path=ppt/slides/slide12.xml><?xml version="1.0" encoding="utf-8"?>
+<file path=ppt/slides/slide14.xml><?xml version="1.0" encoding="utf-8"?>
 <p:sld xmlns:a="http://schemas.openxmlformats.org/drawingml/2006/main" xmlns:r="http://schemas.openxmlformats.org/officeDocument/2006/relationships" xmlns:p="http://schemas.openxmlformats.org/presentationml/2006/main">
   <p:cSld>
     <p:spTree>
@@ -12865,7 +13139,7 @@
 </p:sld>
 </file>
 
-<file path=ppt/slides/slide13.xml><?xml version="1.0" encoding="utf-8"?>
+<file path=ppt/slides/slide15.xml><?xml version="1.0" encoding="utf-8"?>
 <p:sld xmlns:a="http://schemas.openxmlformats.org/drawingml/2006/main" xmlns:r="http://schemas.openxmlformats.org/officeDocument/2006/relationships" xmlns:p="http://schemas.openxmlformats.org/presentationml/2006/main">
   <p:cSld>
     <p:spTree>
@@ -12905,8 +13179,8 @@
           </a:p>
         </p:txBody>
       </p:sp>
-      <mc:AlternateContent xmlns:mc="http://schemas.openxmlformats.org/markup-compatibility/2006">
-        <mc:Choice xmlns:a14="http://schemas.microsoft.com/office/drawing/2010/main" Requires="a14">
+      <mc:AlternateContent xmlns:mc="http://schemas.openxmlformats.org/markup-compatibility/2006" xmlns:a14="http://schemas.microsoft.com/office/drawing/2010/main">
+        <mc:Choice Requires="a14">
           <p:sp>
             <p:nvSpPr>
               <p:cNvPr id="3" name="內容版面配置區 2"/>
@@ -12926,7 +13200,6 @@
                   <a:rPr lang="en-US" dirty="0" smtClean="0"/>
                   <a:t>UART</a:t>
                 </a:r>
-                <a:endParaRPr lang="en-US" dirty="0" smtClean="0"/>
               </a:p>
               <a:p>
                 <a:pPr lvl="1"/>
@@ -13034,7 +13307,7 @@
             </p:txBody>
           </p:sp>
         </mc:Choice>
-        <mc:Fallback>
+        <mc:Fallback xmlns="">
           <p:sp>
             <p:nvSpPr>
               <p:cNvPr id="3" name="內容版面配置區 2"/>
@@ -13088,7 +13361,7 @@
 </p:sld>
 </file>
 
-<file path=ppt/slides/slide14.xml><?xml version="1.0" encoding="utf-8"?>
+<file path=ppt/slides/slide16.xml><?xml version="1.0" encoding="utf-8"?>
 <p:sld xmlns:a="http://schemas.openxmlformats.org/drawingml/2006/main" xmlns:r="http://schemas.openxmlformats.org/officeDocument/2006/relationships" xmlns:p="http://schemas.openxmlformats.org/presentationml/2006/main">
   <p:cSld>
     <p:spTree>
@@ -13177,7 +13450,7 @@
 </p:sld>
 </file>
 
-<file path=ppt/slides/slide15.xml><?xml version="1.0" encoding="utf-8"?>
+<file path=ppt/slides/slide17.xml><?xml version="1.0" encoding="utf-8"?>
 <p:sld xmlns:a="http://schemas.openxmlformats.org/drawingml/2006/main" xmlns:r="http://schemas.openxmlformats.org/officeDocument/2006/relationships" xmlns:p="http://schemas.openxmlformats.org/presentationml/2006/main">
   <p:cSld>
     <p:spTree>
@@ -13211,11 +13484,7 @@
           <a:p>
             <a:r>
               <a:rPr lang="en-US" altLang="zh-TW" dirty="0" smtClean="0"/>
-              <a:t>UART </a:t>
-            </a:r>
-            <a:r>
-              <a:rPr lang="en-US" altLang="zh-TW" dirty="0" smtClean="0"/>
-              <a:t>code</a:t>
+              <a:t>UART code</a:t>
             </a:r>
             <a:endParaRPr lang="en-US" dirty="0"/>
           </a:p>
@@ -13291,11 +13560,7 @@
           <a:p>
             <a:r>
               <a:rPr lang="en-US" altLang="zh-TW" dirty="0" smtClean="0"/>
-              <a:t>Serial.print</a:t>
-            </a:r>
-            <a:r>
-              <a:rPr lang="en-US" altLang="zh-TW" dirty="0" smtClean="0"/>
-              <a:t>(“</a:t>
+              <a:t>Serial.print(“</a:t>
             </a:r>
             <a:r>
               <a:rPr lang="zh-TW" altLang="en-US" dirty="0" smtClean="0"/>
@@ -13310,11 +13575,7 @@
             <a:pPr lvl="1"/>
             <a:r>
               <a:rPr lang="zh-TW" altLang="en-US" dirty="0" smtClean="0"/>
-              <a:t>顯示文字在序列阜視</a:t>
-            </a:r>
-            <a:r>
-              <a:rPr lang="zh-TW" altLang="en-US" dirty="0" smtClean="0"/>
-              <a:t>窗，且</a:t>
+              <a:t>顯示文字在序列阜視窗，且</a:t>
             </a:r>
             <a:r>
               <a:rPr lang="zh-TW" altLang="en-US" dirty="0"/>
@@ -13381,7 +13642,7 @@
 </p:sld>
 </file>
 
-<file path=ppt/slides/slide16.xml><?xml version="1.0" encoding="utf-8"?>
+<file path=ppt/slides/slide18.xml><?xml version="1.0" encoding="utf-8"?>
 <p:sld xmlns:a="http://schemas.openxmlformats.org/drawingml/2006/main" xmlns:r="http://schemas.openxmlformats.org/officeDocument/2006/relationships" xmlns:p="http://schemas.openxmlformats.org/presentationml/2006/main">
   <p:cSld>
     <p:spTree>
@@ -13479,6 +13740,141 @@
           </a:prstGeom>
         </p:spPr>
       </p:pic>
+      <p:pic>
+        <p:nvPicPr>
+          <p:cNvPr id="3" name="圖片 2"/>
+          <p:cNvPicPr>
+            <a:picLocks noChangeAspect="1"/>
+          </p:cNvPicPr>
+          <p:nvPr/>
+        </p:nvPicPr>
+        <p:blipFill rotWithShape="1">
+          <a:blip r:embed="rId4"/>
+          <a:srcRect l="1338" t="6715"/>
+          <a:stretch/>
+        </p:blipFill>
+        <p:spPr>
+          <a:xfrm>
+            <a:off x="5663565" y="5410200"/>
+            <a:ext cx="4549022" cy="382124"/>
+          </a:xfrm>
+          <a:prstGeom prst="rect">
+            <a:avLst/>
+          </a:prstGeom>
+        </p:spPr>
+      </p:pic>
+      <p:sp>
+        <p:nvSpPr>
+          <p:cNvPr id="4" name="矩形 3"/>
+          <p:cNvSpPr/>
+          <p:nvPr/>
+        </p:nvSpPr>
+        <p:spPr>
+          <a:xfrm>
+            <a:off x="9761220" y="5461635"/>
+            <a:ext cx="394335" cy="316230"/>
+          </a:xfrm>
+          <a:prstGeom prst="rect">
+            <a:avLst/>
+          </a:prstGeom>
+          <a:noFill/>
+          <a:ln>
+            <a:solidFill>
+              <a:srgbClr val="FF0000"/>
+            </a:solidFill>
+          </a:ln>
+        </p:spPr>
+        <p:style>
+          <a:lnRef idx="2">
+            <a:schemeClr val="accent1">
+              <a:shade val="50000"/>
+            </a:schemeClr>
+          </a:lnRef>
+          <a:fillRef idx="1">
+            <a:schemeClr val="accent1"/>
+          </a:fillRef>
+          <a:effectRef idx="0">
+            <a:schemeClr val="accent1"/>
+          </a:effectRef>
+          <a:fontRef idx="minor">
+            <a:schemeClr val="lt1"/>
+          </a:fontRef>
+        </p:style>
+        <p:txBody>
+          <a:bodyPr rtlCol="0" anchor="ctr"/>
+          <a:lstStyle/>
+          <a:p>
+            <a:pPr algn="ctr"/>
+            <a:endParaRPr lang="en-US"/>
+          </a:p>
+        </p:txBody>
+      </p:sp>
+      <p:cxnSp>
+        <p:nvCxnSpPr>
+          <p:cNvPr id="8" name="直線單箭頭接點 7"/>
+          <p:cNvCxnSpPr>
+            <a:stCxn id="13" idx="3"/>
+            <a:endCxn id="4" idx="2"/>
+          </p:cNvCxnSpPr>
+          <p:nvPr/>
+        </p:nvCxnSpPr>
+        <p:spPr>
+          <a:xfrm flipV="1">
+            <a:off x="9900867" y="5777865"/>
+            <a:ext cx="57521" cy="447089"/>
+          </a:xfrm>
+          <a:prstGeom prst="straightConnector1">
+            <a:avLst/>
+          </a:prstGeom>
+          <a:ln>
+            <a:tailEnd type="triangle"/>
+          </a:ln>
+        </p:spPr>
+        <p:style>
+          <a:lnRef idx="1">
+            <a:schemeClr val="accent1"/>
+          </a:lnRef>
+          <a:fillRef idx="0">
+            <a:schemeClr val="accent1"/>
+          </a:fillRef>
+          <a:effectRef idx="0">
+            <a:schemeClr val="accent1"/>
+          </a:effectRef>
+          <a:fontRef idx="minor">
+            <a:schemeClr val="tx1"/>
+          </a:fontRef>
+        </p:style>
+      </p:cxnSp>
+      <p:sp>
+        <p:nvSpPr>
+          <p:cNvPr id="13" name="文字方塊 12"/>
+          <p:cNvSpPr txBox="1"/>
+          <p:nvPr/>
+        </p:nvSpPr>
+        <p:spPr>
+          <a:xfrm>
+            <a:off x="6484547" y="6040288"/>
+            <a:ext cx="3416320" cy="369332"/>
+          </a:xfrm>
+          <a:prstGeom prst="rect">
+            <a:avLst/>
+          </a:prstGeom>
+          <a:noFill/>
+        </p:spPr>
+        <p:txBody>
+          <a:bodyPr wrap="none" rtlCol="0">
+            <a:spAutoFit/>
+          </a:bodyPr>
+          <a:lstStyle/>
+          <a:p>
+            <a:r>
+              <a:rPr lang="zh-TW" altLang="en-US" dirty="0" smtClean="0"/>
+              <a:t>開啟「序列埠視窗」，觀察讀值</a:t>
+            </a:r>
+            <a:endParaRPr lang="en-US" dirty="0"/>
+          </a:p>
+        </p:txBody>
+      </p:sp>
     </p:spTree>
     <p:extLst>
       <p:ext uri="{BB962C8B-B14F-4D97-AF65-F5344CB8AC3E}">
@@ -13492,7 +13888,7 @@
 </p:sld>
 </file>
 
-<file path=ppt/slides/slide17.xml><?xml version="1.0" encoding="utf-8"?>
+<file path=ppt/slides/slide19.xml><?xml version="1.0" encoding="utf-8"?>
 <p:sld xmlns:a="http://schemas.openxmlformats.org/drawingml/2006/main" xmlns:r="http://schemas.openxmlformats.org/officeDocument/2006/relationships" xmlns:p="http://schemas.openxmlformats.org/presentationml/2006/main">
   <p:cSld>
     <p:spTree>
@@ -13695,7 +14091,139 @@
 </p:sld>
 </file>
 
-<file path=ppt/slides/slide18.xml><?xml version="1.0" encoding="utf-8"?>
+<file path=ppt/slides/slide2.xml><?xml version="1.0" encoding="utf-8"?>
+<p:sld xmlns:a="http://schemas.openxmlformats.org/drawingml/2006/main" xmlns:r="http://schemas.openxmlformats.org/officeDocument/2006/relationships" xmlns:p="http://schemas.openxmlformats.org/presentationml/2006/main">
+  <p:cSld>
+    <p:spTree>
+      <p:nvGrpSpPr>
+        <p:cNvPr id="1" name=""/>
+        <p:cNvGrpSpPr/>
+        <p:nvPr/>
+      </p:nvGrpSpPr>
+      <p:grpSpPr>
+        <a:xfrm>
+          <a:off x="0" y="0"/>
+          <a:ext cx="0" cy="0"/>
+          <a:chOff x="0" y="0"/>
+          <a:chExt cx="0" cy="0"/>
+        </a:xfrm>
+      </p:grpSpPr>
+      <p:sp>
+        <p:nvSpPr>
+          <p:cNvPr id="2" name="標題 1"/>
+          <p:cNvSpPr>
+            <a:spLocks noGrp="1"/>
+          </p:cNvSpPr>
+          <p:nvPr>
+            <p:ph type="title"/>
+          </p:nvPr>
+        </p:nvSpPr>
+        <p:spPr>
+          <a:xfrm>
+            <a:off x="1302778" y="-215153"/>
+            <a:ext cx="9905998" cy="1478570"/>
+          </a:xfrm>
+        </p:spPr>
+        <p:txBody>
+          <a:bodyPr/>
+          <a:lstStyle/>
+          <a:p>
+            <a:r>
+              <a:rPr lang="zh-TW" altLang="en-US" dirty="0" smtClean="0"/>
+              <a:t>安裝</a:t>
+            </a:r>
+            <a:r>
+              <a:rPr lang="en-US" altLang="zh-TW" dirty="0" smtClean="0"/>
+              <a:t>Arduino</a:t>
+            </a:r>
+            <a:endParaRPr lang="en-US" dirty="0"/>
+          </a:p>
+        </p:txBody>
+      </p:sp>
+      <p:pic>
+        <p:nvPicPr>
+          <p:cNvPr id="5" name="圖片 4"/>
+          <p:cNvPicPr>
+            <a:picLocks noChangeAspect="1"/>
+          </p:cNvPicPr>
+          <p:nvPr/>
+        </p:nvPicPr>
+        <p:blipFill>
+          <a:blip r:embed="rId2"/>
+          <a:stretch>
+            <a:fillRect/>
+          </a:stretch>
+        </p:blipFill>
+        <p:spPr>
+          <a:xfrm>
+            <a:off x="1506069" y="839940"/>
+            <a:ext cx="10032249" cy="5870142"/>
+          </a:xfrm>
+          <a:prstGeom prst="rect">
+            <a:avLst/>
+          </a:prstGeom>
+        </p:spPr>
+      </p:pic>
+      <p:sp>
+        <p:nvSpPr>
+          <p:cNvPr id="7" name="橢圓 6"/>
+          <p:cNvSpPr/>
+          <p:nvPr/>
+        </p:nvSpPr>
+        <p:spPr>
+          <a:xfrm>
+            <a:off x="8871438" y="3775011"/>
+            <a:ext cx="1652954" cy="251866"/>
+          </a:xfrm>
+          <a:prstGeom prst="ellipse">
+            <a:avLst/>
+          </a:prstGeom>
+          <a:noFill/>
+          <a:ln>
+            <a:solidFill>
+              <a:srgbClr val="FF0000"/>
+            </a:solidFill>
+          </a:ln>
+        </p:spPr>
+        <p:style>
+          <a:lnRef idx="2">
+            <a:schemeClr val="accent1">
+              <a:shade val="50000"/>
+            </a:schemeClr>
+          </a:lnRef>
+          <a:fillRef idx="1">
+            <a:schemeClr val="accent1"/>
+          </a:fillRef>
+          <a:effectRef idx="0">
+            <a:schemeClr val="accent1"/>
+          </a:effectRef>
+          <a:fontRef idx="minor">
+            <a:schemeClr val="lt1"/>
+          </a:fontRef>
+        </p:style>
+        <p:txBody>
+          <a:bodyPr rtlCol="0" anchor="ctr"/>
+          <a:lstStyle/>
+          <a:p>
+            <a:pPr algn="ctr"/>
+            <a:endParaRPr lang="en-US"/>
+          </a:p>
+        </p:txBody>
+      </p:sp>
+    </p:spTree>
+    <p:extLst>
+      <p:ext uri="{BB962C8B-B14F-4D97-AF65-F5344CB8AC3E}">
+        <p14:creationId xmlns:p14="http://schemas.microsoft.com/office/powerpoint/2010/main" val="4103532382"/>
+      </p:ext>
+    </p:extLst>
+  </p:cSld>
+  <p:clrMapOvr>
+    <a:masterClrMapping/>
+  </p:clrMapOvr>
+</p:sld>
+</file>
+
+<file path=ppt/slides/slide20.xml><?xml version="1.0" encoding="utf-8"?>
 <p:sld xmlns:a="http://schemas.openxmlformats.org/drawingml/2006/main" xmlns:r="http://schemas.openxmlformats.org/officeDocument/2006/relationships" xmlns:p="http://schemas.openxmlformats.org/presentationml/2006/main">
   <p:cSld>
     <p:spTree>
@@ -13796,8 +14324,8 @@
           </a:p>
         </p:txBody>
       </p:sp>
-      <mc:AlternateContent xmlns:mc="http://schemas.openxmlformats.org/markup-compatibility/2006">
-        <mc:Choice xmlns:a14="http://schemas.microsoft.com/office/drawing/2010/main" Requires="a14">
+      <mc:AlternateContent xmlns:mc="http://schemas.openxmlformats.org/markup-compatibility/2006" xmlns:a14="http://schemas.microsoft.com/office/drawing/2010/main">
+        <mc:Choice Requires="a14">
           <p:sp>
             <p:nvSpPr>
               <p:cNvPr id="6" name="標題 1"/>
@@ -13885,7 +14413,7 @@
             </p:txBody>
           </p:sp>
         </mc:Choice>
-        <mc:Fallback>
+        <mc:Fallback xmlns="">
           <p:sp>
             <p:nvSpPr>
               <p:cNvPr id="6" name="標題 1"/>
@@ -14033,7 +14561,7 @@
 </p:sld>
 </file>
 
-<file path=ppt/slides/slide19.xml><?xml version="1.0" encoding="utf-8"?>
+<file path=ppt/slides/slide21.xml><?xml version="1.0" encoding="utf-8"?>
 <p:sld xmlns:a="http://schemas.openxmlformats.org/drawingml/2006/main" xmlns:r="http://schemas.openxmlformats.org/officeDocument/2006/relationships" xmlns:p="http://schemas.openxmlformats.org/presentationml/2006/main">
   <p:cSld>
     <p:spTree>
@@ -14119,138 +14647,6 @@
       </p:par>
     </p:tnLst>
   </p:timing>
-</p:sld>
-</file>
-
-<file path=ppt/slides/slide2.xml><?xml version="1.0" encoding="utf-8"?>
-<p:sld xmlns:a="http://schemas.openxmlformats.org/drawingml/2006/main" xmlns:r="http://schemas.openxmlformats.org/officeDocument/2006/relationships" xmlns:p="http://schemas.openxmlformats.org/presentationml/2006/main">
-  <p:cSld>
-    <p:spTree>
-      <p:nvGrpSpPr>
-        <p:cNvPr id="1" name=""/>
-        <p:cNvGrpSpPr/>
-        <p:nvPr/>
-      </p:nvGrpSpPr>
-      <p:grpSpPr>
-        <a:xfrm>
-          <a:off x="0" y="0"/>
-          <a:ext cx="0" cy="0"/>
-          <a:chOff x="0" y="0"/>
-          <a:chExt cx="0" cy="0"/>
-        </a:xfrm>
-      </p:grpSpPr>
-      <p:sp>
-        <p:nvSpPr>
-          <p:cNvPr id="2" name="標題 1"/>
-          <p:cNvSpPr>
-            <a:spLocks noGrp="1"/>
-          </p:cNvSpPr>
-          <p:nvPr>
-            <p:ph type="title"/>
-          </p:nvPr>
-        </p:nvSpPr>
-        <p:spPr>
-          <a:xfrm>
-            <a:off x="1302778" y="-215153"/>
-            <a:ext cx="9905998" cy="1478570"/>
-          </a:xfrm>
-        </p:spPr>
-        <p:txBody>
-          <a:bodyPr/>
-          <a:lstStyle/>
-          <a:p>
-            <a:r>
-              <a:rPr lang="zh-TW" altLang="en-US" dirty="0" smtClean="0"/>
-              <a:t>安裝</a:t>
-            </a:r>
-            <a:r>
-              <a:rPr lang="en-US" altLang="zh-TW" dirty="0" smtClean="0"/>
-              <a:t>Arduino</a:t>
-            </a:r>
-            <a:endParaRPr lang="en-US" dirty="0"/>
-          </a:p>
-        </p:txBody>
-      </p:sp>
-      <p:pic>
-        <p:nvPicPr>
-          <p:cNvPr id="5" name="圖片 4"/>
-          <p:cNvPicPr>
-            <a:picLocks noChangeAspect="1"/>
-          </p:cNvPicPr>
-          <p:nvPr/>
-        </p:nvPicPr>
-        <p:blipFill>
-          <a:blip r:embed="rId2"/>
-          <a:stretch>
-            <a:fillRect/>
-          </a:stretch>
-        </p:blipFill>
-        <p:spPr>
-          <a:xfrm>
-            <a:off x="1506069" y="839940"/>
-            <a:ext cx="10032249" cy="5870142"/>
-          </a:xfrm>
-          <a:prstGeom prst="rect">
-            <a:avLst/>
-          </a:prstGeom>
-        </p:spPr>
-      </p:pic>
-      <p:sp>
-        <p:nvSpPr>
-          <p:cNvPr id="7" name="橢圓 6"/>
-          <p:cNvSpPr/>
-          <p:nvPr/>
-        </p:nvSpPr>
-        <p:spPr>
-          <a:xfrm>
-            <a:off x="8871438" y="3775011"/>
-            <a:ext cx="1652954" cy="251866"/>
-          </a:xfrm>
-          <a:prstGeom prst="ellipse">
-            <a:avLst/>
-          </a:prstGeom>
-          <a:noFill/>
-          <a:ln>
-            <a:solidFill>
-              <a:srgbClr val="FF0000"/>
-            </a:solidFill>
-          </a:ln>
-        </p:spPr>
-        <p:style>
-          <a:lnRef idx="2">
-            <a:schemeClr val="accent1">
-              <a:shade val="50000"/>
-            </a:schemeClr>
-          </a:lnRef>
-          <a:fillRef idx="1">
-            <a:schemeClr val="accent1"/>
-          </a:fillRef>
-          <a:effectRef idx="0">
-            <a:schemeClr val="accent1"/>
-          </a:effectRef>
-          <a:fontRef idx="minor">
-            <a:schemeClr val="lt1"/>
-          </a:fontRef>
-        </p:style>
-        <p:txBody>
-          <a:bodyPr rtlCol="0" anchor="ctr"/>
-          <a:lstStyle/>
-          <a:p>
-            <a:pPr algn="ctr"/>
-            <a:endParaRPr lang="en-US"/>
-          </a:p>
-        </p:txBody>
-      </p:sp>
-    </p:spTree>
-    <p:extLst>
-      <p:ext uri="{BB962C8B-B14F-4D97-AF65-F5344CB8AC3E}">
-        <p14:creationId xmlns:p14="http://schemas.microsoft.com/office/powerpoint/2010/main" val="4103532382"/>
-      </p:ext>
-    </p:extLst>
-  </p:cSld>
-  <p:clrMapOvr>
-    <a:masterClrMapping/>
-  </p:clrMapOvr>
 </p:sld>
 </file>
 
@@ -14796,6 +15192,713 @@
           <a:lstStyle/>
           <a:p>
             <a:r>
+              <a:rPr lang="en-US" dirty="0" smtClean="0"/>
+              <a:t>code</a:t>
+            </a:r>
+            <a:endParaRPr lang="en-US" dirty="0"/>
+          </a:p>
+        </p:txBody>
+      </p:sp>
+      <p:sp>
+        <p:nvSpPr>
+          <p:cNvPr id="3" name="內容版面配置區 2"/>
+          <p:cNvSpPr>
+            <a:spLocks noGrp="1"/>
+          </p:cNvSpPr>
+          <p:nvPr>
+            <p:ph idx="1"/>
+          </p:nvPr>
+        </p:nvSpPr>
+        <p:spPr/>
+        <p:txBody>
+          <a:bodyPr/>
+          <a:lstStyle/>
+          <a:p>
+            <a:r>
+              <a:rPr lang="en-US" dirty="0" err="1" smtClean="0"/>
+              <a:t>pinMode</a:t>
+            </a:r>
+            <a:r>
+              <a:rPr lang="en-US" dirty="0" smtClean="0"/>
+              <a:t>(pin, mode) **mode = INPUT / OUTPUT**</a:t>
+            </a:r>
+          </a:p>
+          <a:p>
+            <a:r>
+              <a:rPr lang="en-US" dirty="0" smtClean="0"/>
+              <a:t>Digital</a:t>
+            </a:r>
+          </a:p>
+          <a:p>
+            <a:pPr lvl="1"/>
+            <a:r>
+              <a:rPr lang="en-US" dirty="0" err="1"/>
+              <a:t>d</a:t>
+            </a:r>
+            <a:r>
+              <a:rPr lang="en-US" dirty="0" err="1" smtClean="0"/>
+              <a:t>igitalRead</a:t>
+            </a:r>
+            <a:r>
+              <a:rPr lang="en-US" dirty="0" smtClean="0"/>
+              <a:t>(pin)</a:t>
+            </a:r>
+          </a:p>
+          <a:p>
+            <a:pPr lvl="1"/>
+            <a:r>
+              <a:rPr lang="en-US" dirty="0" err="1" smtClean="0"/>
+              <a:t>digitalWrite</a:t>
+            </a:r>
+            <a:r>
+              <a:rPr lang="en-US" dirty="0" smtClean="0"/>
+              <a:t>(pin, value) **value = HIGH / LOW**</a:t>
+            </a:r>
+          </a:p>
+          <a:p>
+            <a:r>
+              <a:rPr lang="en-US" dirty="0" smtClean="0"/>
+              <a:t>Analog</a:t>
+            </a:r>
+          </a:p>
+          <a:p>
+            <a:pPr lvl="1"/>
+            <a:r>
+              <a:rPr lang="en-US" dirty="0" err="1" smtClean="0"/>
+              <a:t>analogRead</a:t>
+            </a:r>
+            <a:r>
+              <a:rPr lang="en-US" dirty="0" smtClean="0"/>
+              <a:t>(pin)</a:t>
+            </a:r>
+          </a:p>
+          <a:p>
+            <a:pPr lvl="1"/>
+            <a:r>
+              <a:rPr lang="en-US" dirty="0" err="1" smtClean="0"/>
+              <a:t>analogWrite</a:t>
+            </a:r>
+            <a:r>
+              <a:rPr lang="en-US" dirty="0" smtClean="0"/>
+              <a:t>(pin, value)  **value = 0~255**</a:t>
+            </a:r>
+          </a:p>
+        </p:txBody>
+      </p:sp>
+    </p:spTree>
+    <p:extLst>
+      <p:ext uri="{BB962C8B-B14F-4D97-AF65-F5344CB8AC3E}">
+        <p14:creationId xmlns:p14="http://schemas.microsoft.com/office/powerpoint/2010/main" val="113381227"/>
+      </p:ext>
+    </p:extLst>
+  </p:cSld>
+  <p:clrMapOvr>
+    <a:masterClrMapping/>
+  </p:clrMapOvr>
+  <p:timing>
+    <p:tnLst>
+      <p:par>
+        <p:cTn id="1" dur="indefinite" restart="never" nodeType="tmRoot"/>
+      </p:par>
+    </p:tnLst>
+  </p:timing>
+</p:sld>
+</file>
+
+<file path=ppt/slides/slide7.xml><?xml version="1.0" encoding="utf-8"?>
+<p:sld xmlns:a="http://schemas.openxmlformats.org/drawingml/2006/main" xmlns:r="http://schemas.openxmlformats.org/officeDocument/2006/relationships" xmlns:p="http://schemas.openxmlformats.org/presentationml/2006/main">
+  <p:cSld>
+    <p:spTree>
+      <p:nvGrpSpPr>
+        <p:cNvPr id="1" name=""/>
+        <p:cNvGrpSpPr/>
+        <p:nvPr/>
+      </p:nvGrpSpPr>
+      <p:grpSpPr>
+        <a:xfrm>
+          <a:off x="0" y="0"/>
+          <a:ext cx="0" cy="0"/>
+          <a:chOff x="0" y="0"/>
+          <a:chExt cx="0" cy="0"/>
+        </a:xfrm>
+      </p:grpSpPr>
+      <p:sp>
+        <p:nvSpPr>
+          <p:cNvPr id="2" name="標題 1"/>
+          <p:cNvSpPr>
+            <a:spLocks noGrp="1"/>
+          </p:cNvSpPr>
+          <p:nvPr>
+            <p:ph type="title"/>
+          </p:nvPr>
+        </p:nvSpPr>
+        <p:spPr/>
+        <p:txBody>
+          <a:bodyPr/>
+          <a:lstStyle/>
+          <a:p>
+            <a:r>
+              <a:rPr lang="en-US" altLang="zh-TW" dirty="0" smtClean="0"/>
+              <a:t>Blink</a:t>
+            </a:r>
+            <a:endParaRPr lang="en-US" dirty="0"/>
+          </a:p>
+        </p:txBody>
+      </p:sp>
+      <p:pic>
+        <p:nvPicPr>
+          <p:cNvPr id="4" name="內容版面配置區 3"/>
+          <p:cNvPicPr>
+            <a:picLocks noGrp="1" noChangeAspect="1"/>
+          </p:cNvPicPr>
+          <p:nvPr>
+            <p:ph idx="1"/>
+          </p:nvPr>
+        </p:nvPicPr>
+        <p:blipFill>
+          <a:blip r:embed="rId2"/>
+          <a:stretch>
+            <a:fillRect/>
+          </a:stretch>
+        </p:blipFill>
+        <p:spPr>
+          <a:xfrm>
+            <a:off x="3697119" y="420687"/>
+            <a:ext cx="7992837" cy="5938549"/>
+          </a:xfrm>
+          <a:prstGeom prst="rect">
+            <a:avLst/>
+          </a:prstGeom>
+        </p:spPr>
+      </p:pic>
+    </p:spTree>
+    <p:extLst>
+      <p:ext uri="{BB962C8B-B14F-4D97-AF65-F5344CB8AC3E}">
+        <p14:creationId xmlns:p14="http://schemas.microsoft.com/office/powerpoint/2010/main" val="1648630652"/>
+      </p:ext>
+    </p:extLst>
+  </p:cSld>
+  <p:clrMapOvr>
+    <a:masterClrMapping/>
+  </p:clrMapOvr>
+  <p:timing>
+    <p:tnLst>
+      <p:par>
+        <p:cTn id="1" dur="indefinite" restart="never" nodeType="tmRoot"/>
+      </p:par>
+    </p:tnLst>
+  </p:timing>
+</p:sld>
+</file>
+
+<file path=ppt/slides/slide8.xml><?xml version="1.0" encoding="utf-8"?>
+<p:sld xmlns:a="http://schemas.openxmlformats.org/drawingml/2006/main" xmlns:r="http://schemas.openxmlformats.org/officeDocument/2006/relationships" xmlns:p="http://schemas.openxmlformats.org/presentationml/2006/main">
+  <p:cSld>
+    <p:spTree>
+      <p:nvGrpSpPr>
+        <p:cNvPr id="1" name=""/>
+        <p:cNvGrpSpPr/>
+        <p:nvPr/>
+      </p:nvGrpSpPr>
+      <p:grpSpPr>
+        <a:xfrm>
+          <a:off x="0" y="0"/>
+          <a:ext cx="0" cy="0"/>
+          <a:chOff x="0" y="0"/>
+          <a:chExt cx="0" cy="0"/>
+        </a:xfrm>
+      </p:grpSpPr>
+      <p:sp>
+        <p:nvSpPr>
+          <p:cNvPr id="2" name="標題 1"/>
+          <p:cNvSpPr>
+            <a:spLocks noGrp="1"/>
+          </p:cNvSpPr>
+          <p:nvPr>
+            <p:ph type="title"/>
+          </p:nvPr>
+        </p:nvSpPr>
+        <p:spPr/>
+        <p:txBody>
+          <a:bodyPr/>
+          <a:lstStyle/>
+          <a:p>
+            <a:r>
+              <a:rPr lang="zh-TW" altLang="en-US" dirty="0"/>
+              <a:t>上傳</a:t>
+            </a:r>
+            <a:r>
+              <a:rPr lang="zh-TW" altLang="en-US" dirty="0" smtClean="0"/>
+              <a:t>程式</a:t>
+            </a:r>
+            <a:endParaRPr lang="en-US" dirty="0"/>
+          </a:p>
+        </p:txBody>
+      </p:sp>
+      <p:pic>
+        <p:nvPicPr>
+          <p:cNvPr id="4" name="內容版面配置區 3"/>
+          <p:cNvPicPr>
+            <a:picLocks noGrp="1" noChangeAspect="1"/>
+          </p:cNvPicPr>
+          <p:nvPr>
+            <p:ph idx="1"/>
+          </p:nvPr>
+        </p:nvPicPr>
+        <p:blipFill>
+          <a:blip r:embed="rId2"/>
+          <a:stretch>
+            <a:fillRect/>
+          </a:stretch>
+        </p:blipFill>
+        <p:spPr>
+          <a:xfrm>
+            <a:off x="1482935" y="2097088"/>
+            <a:ext cx="4017908" cy="3541712"/>
+          </a:xfrm>
+          <a:prstGeom prst="rect">
+            <a:avLst/>
+          </a:prstGeom>
+        </p:spPr>
+      </p:pic>
+      <p:pic>
+        <p:nvPicPr>
+          <p:cNvPr id="5" name="圖片 4"/>
+          <p:cNvPicPr>
+            <a:picLocks noChangeAspect="1"/>
+          </p:cNvPicPr>
+          <p:nvPr/>
+        </p:nvPicPr>
+        <p:blipFill>
+          <a:blip r:embed="rId3"/>
+          <a:stretch>
+            <a:fillRect/>
+          </a:stretch>
+        </p:blipFill>
+        <p:spPr>
+          <a:xfrm>
+            <a:off x="8715743" y="4804656"/>
+            <a:ext cx="1653683" cy="1082134"/>
+          </a:xfrm>
+          <a:prstGeom prst="rect">
+            <a:avLst/>
+          </a:prstGeom>
+        </p:spPr>
+      </p:pic>
+      <p:sp>
+        <p:nvSpPr>
+          <p:cNvPr id="6" name="文字方塊 5"/>
+          <p:cNvSpPr txBox="1"/>
+          <p:nvPr/>
+        </p:nvSpPr>
+        <p:spPr>
+          <a:xfrm>
+            <a:off x="1570858" y="5638800"/>
+            <a:ext cx="1813317" cy="461665"/>
+          </a:xfrm>
+          <a:prstGeom prst="rect">
+            <a:avLst/>
+          </a:prstGeom>
+          <a:noFill/>
+        </p:spPr>
+        <p:txBody>
+          <a:bodyPr wrap="none" rtlCol="0">
+            <a:spAutoFit/>
+          </a:bodyPr>
+          <a:lstStyle/>
+          <a:p>
+            <a:r>
+              <a:rPr lang="en-US" altLang="zh-TW" sz="2400" b="1" dirty="0" smtClean="0"/>
+              <a:t>1.</a:t>
+            </a:r>
+            <a:r>
+              <a:rPr lang="zh-TW" altLang="en-US" dirty="0" smtClean="0"/>
+              <a:t>選擇板子型號</a:t>
+            </a:r>
+            <a:endParaRPr lang="en-US" dirty="0"/>
+          </a:p>
+        </p:txBody>
+      </p:sp>
+      <p:sp>
+        <p:nvSpPr>
+          <p:cNvPr id="7" name="文字方塊 6"/>
+          <p:cNvSpPr txBox="1"/>
+          <p:nvPr/>
+        </p:nvSpPr>
+        <p:spPr>
+          <a:xfrm>
+            <a:off x="8715743" y="5886790"/>
+            <a:ext cx="889987" cy="461665"/>
+          </a:xfrm>
+          <a:prstGeom prst="rect">
+            <a:avLst/>
+          </a:prstGeom>
+          <a:noFill/>
+        </p:spPr>
+        <p:txBody>
+          <a:bodyPr wrap="none" rtlCol="0">
+            <a:spAutoFit/>
+          </a:bodyPr>
+          <a:lstStyle/>
+          <a:p>
+            <a:r>
+              <a:rPr lang="en-US" altLang="zh-TW" sz="2400" b="1" dirty="0" smtClean="0"/>
+              <a:t>4.</a:t>
+            </a:r>
+            <a:r>
+              <a:rPr lang="zh-TW" altLang="en-US" dirty="0"/>
+              <a:t>上傳</a:t>
+            </a:r>
+            <a:endParaRPr lang="en-US" dirty="0"/>
+          </a:p>
+        </p:txBody>
+      </p:sp>
+      <p:sp>
+        <p:nvSpPr>
+          <p:cNvPr id="8" name="矩形 7"/>
+          <p:cNvSpPr/>
+          <p:nvPr/>
+        </p:nvSpPr>
+        <p:spPr>
+          <a:xfrm>
+            <a:off x="8968154" y="5205046"/>
+            <a:ext cx="316523" cy="325315"/>
+          </a:xfrm>
+          <a:prstGeom prst="rect">
+            <a:avLst/>
+          </a:prstGeom>
+          <a:noFill/>
+          <a:ln w="28575">
+            <a:solidFill>
+              <a:srgbClr val="FF0000"/>
+            </a:solidFill>
+          </a:ln>
+        </p:spPr>
+        <p:style>
+          <a:lnRef idx="2">
+            <a:schemeClr val="accent1">
+              <a:shade val="50000"/>
+            </a:schemeClr>
+          </a:lnRef>
+          <a:fillRef idx="1">
+            <a:schemeClr val="accent1"/>
+          </a:fillRef>
+          <a:effectRef idx="0">
+            <a:schemeClr val="accent1"/>
+          </a:effectRef>
+          <a:fontRef idx="minor">
+            <a:schemeClr val="lt1"/>
+          </a:fontRef>
+        </p:style>
+        <p:txBody>
+          <a:bodyPr rtlCol="0" anchor="ctr"/>
+          <a:lstStyle/>
+          <a:p>
+            <a:pPr algn="ctr"/>
+            <a:endParaRPr lang="en-US"/>
+          </a:p>
+        </p:txBody>
+      </p:sp>
+      <p:pic>
+        <p:nvPicPr>
+          <p:cNvPr id="9" name="圖片 8"/>
+          <p:cNvPicPr>
+            <a:picLocks noChangeAspect="1"/>
+          </p:cNvPicPr>
+          <p:nvPr/>
+        </p:nvPicPr>
+        <p:blipFill>
+          <a:blip r:embed="rId3"/>
+          <a:stretch>
+            <a:fillRect/>
+          </a:stretch>
+        </p:blipFill>
+        <p:spPr>
+          <a:xfrm>
+            <a:off x="7425086" y="3489906"/>
+            <a:ext cx="1653683" cy="1082134"/>
+          </a:xfrm>
+          <a:prstGeom prst="rect">
+            <a:avLst/>
+          </a:prstGeom>
+        </p:spPr>
+      </p:pic>
+      <p:sp>
+        <p:nvSpPr>
+          <p:cNvPr id="10" name="文字方塊 9"/>
+          <p:cNvSpPr txBox="1"/>
+          <p:nvPr/>
+        </p:nvSpPr>
+        <p:spPr>
+          <a:xfrm>
+            <a:off x="7425086" y="4507354"/>
+            <a:ext cx="889987" cy="461665"/>
+          </a:xfrm>
+          <a:prstGeom prst="rect">
+            <a:avLst/>
+          </a:prstGeom>
+          <a:noFill/>
+        </p:spPr>
+        <p:txBody>
+          <a:bodyPr wrap="none" rtlCol="0">
+            <a:spAutoFit/>
+          </a:bodyPr>
+          <a:lstStyle/>
+          <a:p>
+            <a:r>
+              <a:rPr lang="en-US" altLang="zh-TW" sz="2400" b="1" dirty="0" smtClean="0"/>
+              <a:t>3.</a:t>
+            </a:r>
+            <a:r>
+              <a:rPr lang="zh-TW" altLang="en-US" dirty="0" smtClean="0"/>
+              <a:t>編譯</a:t>
+            </a:r>
+            <a:endParaRPr lang="en-US" dirty="0"/>
+          </a:p>
+        </p:txBody>
+      </p:sp>
+      <p:sp>
+        <p:nvSpPr>
+          <p:cNvPr id="11" name="矩形 10"/>
+          <p:cNvSpPr/>
+          <p:nvPr/>
+        </p:nvSpPr>
+        <p:spPr>
+          <a:xfrm flipH="1">
+            <a:off x="7425084" y="3914432"/>
+            <a:ext cx="278789" cy="282117"/>
+          </a:xfrm>
+          <a:prstGeom prst="rect">
+            <a:avLst/>
+          </a:prstGeom>
+          <a:noFill/>
+          <a:ln w="28575">
+            <a:solidFill>
+              <a:srgbClr val="FF0000"/>
+            </a:solidFill>
+          </a:ln>
+        </p:spPr>
+        <p:style>
+          <a:lnRef idx="2">
+            <a:schemeClr val="accent1">
+              <a:shade val="50000"/>
+            </a:schemeClr>
+          </a:lnRef>
+          <a:fillRef idx="1">
+            <a:schemeClr val="accent1"/>
+          </a:fillRef>
+          <a:effectRef idx="0">
+            <a:schemeClr val="accent1"/>
+          </a:effectRef>
+          <a:fontRef idx="minor">
+            <a:schemeClr val="lt1"/>
+          </a:fontRef>
+        </p:style>
+        <p:txBody>
+          <a:bodyPr rtlCol="0" anchor="ctr"/>
+          <a:lstStyle/>
+          <a:p>
+            <a:pPr algn="ctr"/>
+            <a:endParaRPr lang="en-US"/>
+          </a:p>
+        </p:txBody>
+      </p:sp>
+      <p:pic>
+        <p:nvPicPr>
+          <p:cNvPr id="12" name="圖片 11"/>
+          <p:cNvPicPr>
+            <a:picLocks noChangeAspect="1"/>
+          </p:cNvPicPr>
+          <p:nvPr/>
+        </p:nvPicPr>
+        <p:blipFill>
+          <a:blip r:embed="rId4"/>
+          <a:stretch>
+            <a:fillRect/>
+          </a:stretch>
+        </p:blipFill>
+        <p:spPr>
+          <a:xfrm>
+            <a:off x="6476456" y="417637"/>
+            <a:ext cx="4118937" cy="2447575"/>
+          </a:xfrm>
+          <a:prstGeom prst="rect">
+            <a:avLst/>
+          </a:prstGeom>
+        </p:spPr>
+      </p:pic>
+      <p:sp>
+        <p:nvSpPr>
+          <p:cNvPr id="13" name="文字方塊 12"/>
+          <p:cNvSpPr txBox="1"/>
+          <p:nvPr/>
+        </p:nvSpPr>
+        <p:spPr>
+          <a:xfrm>
+            <a:off x="6476456" y="2867380"/>
+            <a:ext cx="1582484" cy="461665"/>
+          </a:xfrm>
+          <a:prstGeom prst="rect">
+            <a:avLst/>
+          </a:prstGeom>
+          <a:noFill/>
+        </p:spPr>
+        <p:txBody>
+          <a:bodyPr wrap="none" rtlCol="0">
+            <a:spAutoFit/>
+          </a:bodyPr>
+          <a:lstStyle/>
+          <a:p>
+            <a:r>
+              <a:rPr lang="en-US" altLang="zh-TW" sz="2400" b="1" dirty="0" smtClean="0"/>
+              <a:t>2.</a:t>
+            </a:r>
+            <a:r>
+              <a:rPr lang="zh-TW" altLang="en-US" dirty="0" smtClean="0"/>
+              <a:t>選擇序列埠</a:t>
+            </a:r>
+            <a:endParaRPr lang="en-US" dirty="0"/>
+          </a:p>
+        </p:txBody>
+      </p:sp>
+      <p:sp>
+        <p:nvSpPr>
+          <p:cNvPr id="14" name="矩形 13"/>
+          <p:cNvSpPr/>
+          <p:nvPr/>
+        </p:nvSpPr>
+        <p:spPr>
+          <a:xfrm flipH="1">
+            <a:off x="2134011" y="3154680"/>
+            <a:ext cx="1805989" cy="223520"/>
+          </a:xfrm>
+          <a:prstGeom prst="rect">
+            <a:avLst/>
+          </a:prstGeom>
+          <a:noFill/>
+          <a:ln w="28575">
+            <a:solidFill>
+              <a:srgbClr val="FF0000"/>
+            </a:solidFill>
+          </a:ln>
+        </p:spPr>
+        <p:style>
+          <a:lnRef idx="2">
+            <a:schemeClr val="accent1">
+              <a:shade val="50000"/>
+            </a:schemeClr>
+          </a:lnRef>
+          <a:fillRef idx="1">
+            <a:schemeClr val="accent1"/>
+          </a:fillRef>
+          <a:effectRef idx="0">
+            <a:schemeClr val="accent1"/>
+          </a:effectRef>
+          <a:fontRef idx="minor">
+            <a:schemeClr val="lt1"/>
+          </a:fontRef>
+        </p:style>
+        <p:txBody>
+          <a:bodyPr rtlCol="0" anchor="ctr"/>
+          <a:lstStyle/>
+          <a:p>
+            <a:pPr algn="ctr"/>
+            <a:endParaRPr lang="en-US"/>
+          </a:p>
+        </p:txBody>
+      </p:sp>
+      <p:sp>
+        <p:nvSpPr>
+          <p:cNvPr id="16" name="矩形 15"/>
+          <p:cNvSpPr/>
+          <p:nvPr/>
+        </p:nvSpPr>
+        <p:spPr>
+          <a:xfrm flipH="1">
+            <a:off x="7354747" y="2327752"/>
+            <a:ext cx="1805989" cy="223520"/>
+          </a:xfrm>
+          <a:prstGeom prst="rect">
+            <a:avLst/>
+          </a:prstGeom>
+          <a:noFill/>
+          <a:ln w="28575">
+            <a:solidFill>
+              <a:srgbClr val="FF0000"/>
+            </a:solidFill>
+          </a:ln>
+        </p:spPr>
+        <p:style>
+          <a:lnRef idx="2">
+            <a:schemeClr val="accent1">
+              <a:shade val="50000"/>
+            </a:schemeClr>
+          </a:lnRef>
+          <a:fillRef idx="1">
+            <a:schemeClr val="accent1"/>
+          </a:fillRef>
+          <a:effectRef idx="0">
+            <a:schemeClr val="accent1"/>
+          </a:effectRef>
+          <a:fontRef idx="minor">
+            <a:schemeClr val="lt1"/>
+          </a:fontRef>
+        </p:style>
+        <p:txBody>
+          <a:bodyPr rtlCol="0" anchor="ctr"/>
+          <a:lstStyle/>
+          <a:p>
+            <a:pPr algn="ctr"/>
+            <a:endParaRPr lang="en-US"/>
+          </a:p>
+        </p:txBody>
+      </p:sp>
+    </p:spTree>
+    <p:extLst>
+      <p:ext uri="{BB962C8B-B14F-4D97-AF65-F5344CB8AC3E}">
+        <p14:creationId xmlns:p14="http://schemas.microsoft.com/office/powerpoint/2010/main" val="1800378046"/>
+      </p:ext>
+    </p:extLst>
+  </p:cSld>
+  <p:clrMapOvr>
+    <a:masterClrMapping/>
+  </p:clrMapOvr>
+</p:sld>
+</file>
+
+<file path=ppt/slides/slide9.xml><?xml version="1.0" encoding="utf-8"?>
+<p:sld xmlns:a="http://schemas.openxmlformats.org/drawingml/2006/main" xmlns:r="http://schemas.openxmlformats.org/officeDocument/2006/relationships" xmlns:p="http://schemas.openxmlformats.org/presentationml/2006/main">
+  <p:cSld>
+    <p:spTree>
+      <p:nvGrpSpPr>
+        <p:cNvPr id="1" name=""/>
+        <p:cNvGrpSpPr/>
+        <p:nvPr/>
+      </p:nvGrpSpPr>
+      <p:grpSpPr>
+        <a:xfrm>
+          <a:off x="0" y="0"/>
+          <a:ext cx="0" cy="0"/>
+          <a:chOff x="0" y="0"/>
+          <a:chExt cx="0" cy="0"/>
+        </a:xfrm>
+      </p:grpSpPr>
+      <p:sp>
+        <p:nvSpPr>
+          <p:cNvPr id="2" name="標題 1"/>
+          <p:cNvSpPr>
+            <a:spLocks noGrp="1"/>
+          </p:cNvSpPr>
+          <p:nvPr>
+            <p:ph type="title"/>
+          </p:nvPr>
+        </p:nvSpPr>
+        <p:spPr/>
+        <p:txBody>
+          <a:bodyPr/>
+          <a:lstStyle/>
+          <a:p>
+            <a:r>
               <a:rPr lang="zh-TW" altLang="en-US" dirty="0" smtClean="0"/>
               <a:t>麵包板</a:t>
             </a:r>
@@ -14902,353 +16005,164 @@
           </a:fontRef>
         </p:style>
       </p:cxnSp>
-    </p:spTree>
-    <p:extLst>
-      <p:ext uri="{BB962C8B-B14F-4D97-AF65-F5344CB8AC3E}">
-        <p14:creationId xmlns:p14="http://schemas.microsoft.com/office/powerpoint/2010/main" val="2738341840"/>
-      </p:ext>
-    </p:extLst>
-  </p:cSld>
-  <p:clrMapOvr>
-    <a:masterClrMapping/>
-  </p:clrMapOvr>
-</p:sld>
-</file>
-
-<file path=ppt/slides/slide7.xml><?xml version="1.0" encoding="utf-8"?>
-<p:sld xmlns:a="http://schemas.openxmlformats.org/drawingml/2006/main" xmlns:r="http://schemas.openxmlformats.org/officeDocument/2006/relationships" xmlns:p="http://schemas.openxmlformats.org/presentationml/2006/main">
-  <p:cSld>
-    <p:spTree>
-      <p:nvGrpSpPr>
-        <p:cNvPr id="1" name=""/>
-        <p:cNvGrpSpPr/>
-        <p:nvPr/>
-      </p:nvGrpSpPr>
-      <p:grpSpPr>
-        <a:xfrm>
-          <a:off x="0" y="0"/>
-          <a:ext cx="0" cy="0"/>
-          <a:chOff x="0" y="0"/>
-          <a:chExt cx="0" cy="0"/>
-        </a:xfrm>
-      </p:grpSpPr>
       <p:sp>
         <p:nvSpPr>
-          <p:cNvPr id="2" name="標題 1"/>
-          <p:cNvSpPr>
-            <a:spLocks noGrp="1"/>
-          </p:cNvSpPr>
-          <p:nvPr>
-            <p:ph type="title"/>
-          </p:nvPr>
+          <p:cNvPr id="3" name="左大括弧 2"/>
+          <p:cNvSpPr/>
+          <p:nvPr/>
         </p:nvSpPr>
-        <p:spPr/>
+        <p:spPr>
+          <a:xfrm>
+            <a:off x="2738804" y="2822331"/>
+            <a:ext cx="351692" cy="2514600"/>
+          </a:xfrm>
+          <a:prstGeom prst="leftBrace">
+            <a:avLst/>
+          </a:prstGeom>
+          <a:ln>
+            <a:solidFill>
+              <a:schemeClr val="tx1"/>
+            </a:solidFill>
+          </a:ln>
+        </p:spPr>
+        <p:style>
+          <a:lnRef idx="1">
+            <a:schemeClr val="accent1"/>
+          </a:lnRef>
+          <a:fillRef idx="0">
+            <a:schemeClr val="accent1"/>
+          </a:fillRef>
+          <a:effectRef idx="0">
+            <a:schemeClr val="accent1"/>
+          </a:effectRef>
+          <a:fontRef idx="minor">
+            <a:schemeClr val="tx1"/>
+          </a:fontRef>
+        </p:style>
         <p:txBody>
-          <a:bodyPr/>
+          <a:bodyPr rtlCol="0" anchor="ctr"/>
           <a:lstStyle/>
           <a:p>
-            <a:r>
-              <a:rPr lang="en-US" dirty="0" smtClean="0"/>
-              <a:t>code</a:t>
-            </a:r>
-            <a:endParaRPr lang="en-US" dirty="0"/>
+            <a:pPr algn="ctr"/>
+            <a:endParaRPr lang="en-US"/>
           </a:p>
         </p:txBody>
       </p:sp>
       <p:sp>
         <p:nvSpPr>
-          <p:cNvPr id="3" name="內容版面配置區 2"/>
-          <p:cNvSpPr>
-            <a:spLocks noGrp="1"/>
-          </p:cNvSpPr>
-          <p:nvPr>
-            <p:ph idx="1"/>
-          </p:nvPr>
+          <p:cNvPr id="5" name="文字方塊 4"/>
+          <p:cNvSpPr txBox="1"/>
+          <p:nvPr/>
         </p:nvSpPr>
-        <p:spPr/>
+        <p:spPr>
+          <a:xfrm>
+            <a:off x="2277139" y="3225551"/>
+            <a:ext cx="461665" cy="1708160"/>
+          </a:xfrm>
+          <a:prstGeom prst="rect">
+            <a:avLst/>
+          </a:prstGeom>
+          <a:noFill/>
+        </p:spPr>
         <p:txBody>
-          <a:bodyPr/>
+          <a:bodyPr vert="eaVert" wrap="none" rtlCol="0">
+            <a:spAutoFit/>
+          </a:bodyPr>
           <a:lstStyle/>
           <a:p>
             <a:r>
-              <a:rPr lang="en-US" dirty="0" err="1" smtClean="0"/>
-              <a:t>pinMode</a:t>
-            </a:r>
-            <a:r>
-              <a:rPr lang="en-US" dirty="0" smtClean="0"/>
-              <a:t>(pin, mode) **mode = INPUT / OUTPUT**</a:t>
-            </a:r>
-          </a:p>
-          <a:p>
-            <a:r>
-              <a:rPr lang="en-US" dirty="0" smtClean="0"/>
-              <a:t>Digital</a:t>
-            </a:r>
-          </a:p>
-          <a:p>
-            <a:pPr lvl="1"/>
-            <a:r>
-              <a:rPr lang="en-US" dirty="0" err="1"/>
-              <a:t>d</a:t>
-            </a:r>
-            <a:r>
-              <a:rPr lang="en-US" dirty="0" err="1" smtClean="0"/>
-              <a:t>igitalRead</a:t>
-            </a:r>
-            <a:r>
-              <a:rPr lang="en-US" dirty="0" smtClean="0"/>
-              <a:t>(pin)</a:t>
-            </a:r>
-          </a:p>
-          <a:p>
-            <a:pPr lvl="1"/>
-            <a:r>
-              <a:rPr lang="en-US" dirty="0" err="1" smtClean="0"/>
-              <a:t>digitalWrite</a:t>
-            </a:r>
-            <a:r>
-              <a:rPr lang="en-US" dirty="0" smtClean="0"/>
-              <a:t>(pin, value) **value = HIGH / LOW**</a:t>
-            </a:r>
-          </a:p>
-          <a:p>
-            <a:r>
-              <a:rPr lang="en-US" dirty="0" smtClean="0"/>
-              <a:t>Analog</a:t>
-            </a:r>
-          </a:p>
-          <a:p>
-            <a:pPr lvl="1"/>
-            <a:r>
-              <a:rPr lang="en-US" dirty="0" err="1" smtClean="0"/>
-              <a:t>analogRead</a:t>
-            </a:r>
-            <a:r>
-              <a:rPr lang="en-US" dirty="0" smtClean="0"/>
-              <a:t>(pin)</a:t>
-            </a:r>
-          </a:p>
-          <a:p>
-            <a:pPr lvl="1"/>
-            <a:r>
-              <a:rPr lang="en-US" dirty="0" err="1" smtClean="0"/>
-              <a:t>analogWrite</a:t>
-            </a:r>
-            <a:r>
-              <a:rPr lang="en-US" dirty="0" smtClean="0"/>
-              <a:t>(pin, value)  **value = 0~255**</a:t>
-            </a:r>
+              <a:rPr lang="zh-TW" altLang="en-US" dirty="0" smtClean="0"/>
+              <a:t>藍線</a:t>
+            </a:r>
+            <a:r>
+              <a:rPr lang="zh-TW" altLang="en-US" dirty="0"/>
+              <a:t>上</a:t>
+            </a:r>
+            <a:r>
+              <a:rPr lang="zh-TW" altLang="en-US" dirty="0" smtClean="0"/>
+              <a:t>的洞互通</a:t>
+            </a:r>
+            <a:endParaRPr lang="en-US" dirty="0"/>
+          </a:p>
+        </p:txBody>
+      </p:sp>
+      <p:sp>
+        <p:nvSpPr>
+          <p:cNvPr id="11" name="左大括弧 10"/>
+          <p:cNvSpPr/>
+          <p:nvPr/>
+        </p:nvSpPr>
+        <p:spPr>
+          <a:xfrm rot="5400000">
+            <a:off x="6726116" y="-1754428"/>
+            <a:ext cx="351692" cy="6435968"/>
+          </a:xfrm>
+          <a:prstGeom prst="leftBrace">
+            <a:avLst/>
+          </a:prstGeom>
+          <a:ln>
+            <a:solidFill>
+              <a:schemeClr val="tx1"/>
+            </a:solidFill>
+          </a:ln>
+        </p:spPr>
+        <p:style>
+          <a:lnRef idx="1">
+            <a:schemeClr val="accent1"/>
+          </a:lnRef>
+          <a:fillRef idx="0">
+            <a:schemeClr val="accent1"/>
+          </a:fillRef>
+          <a:effectRef idx="0">
+            <a:schemeClr val="accent1"/>
+          </a:effectRef>
+          <a:fontRef idx="minor">
+            <a:schemeClr val="tx1"/>
+          </a:fontRef>
+        </p:style>
+        <p:txBody>
+          <a:bodyPr rtlCol="0" anchor="ctr"/>
+          <a:lstStyle/>
+          <a:p>
+            <a:pPr algn="ctr"/>
+            <a:endParaRPr lang="en-US"/>
+          </a:p>
+        </p:txBody>
+      </p:sp>
+      <p:sp>
+        <p:nvSpPr>
+          <p:cNvPr id="8" name="文字方塊 7"/>
+          <p:cNvSpPr txBox="1"/>
+          <p:nvPr/>
+        </p:nvSpPr>
+        <p:spPr>
+          <a:xfrm>
+            <a:off x="6001715" y="918378"/>
+            <a:ext cx="1800493" cy="369332"/>
+          </a:xfrm>
+          <a:prstGeom prst="rect">
+            <a:avLst/>
+          </a:prstGeom>
+          <a:noFill/>
+        </p:spPr>
+        <p:txBody>
+          <a:bodyPr wrap="none" rtlCol="0">
+            <a:spAutoFit/>
+          </a:bodyPr>
+          <a:lstStyle/>
+          <a:p>
+            <a:r>
+              <a:rPr lang="zh-TW" altLang="en-US" dirty="0" smtClean="0"/>
+              <a:t>藍線上的洞互通</a:t>
+            </a:r>
+            <a:endParaRPr lang="en-US" dirty="0"/>
           </a:p>
         </p:txBody>
       </p:sp>
     </p:spTree>
     <p:extLst>
       <p:ext uri="{BB962C8B-B14F-4D97-AF65-F5344CB8AC3E}">
-        <p14:creationId xmlns:p14="http://schemas.microsoft.com/office/powerpoint/2010/main" val="113381227"/>
-      </p:ext>
-    </p:extLst>
-  </p:cSld>
-  <p:clrMapOvr>
-    <a:masterClrMapping/>
-  </p:clrMapOvr>
-  <p:timing>
-    <p:tnLst>
-      <p:par>
-        <p:cTn id="1" dur="indefinite" restart="never" nodeType="tmRoot"/>
-      </p:par>
-    </p:tnLst>
-  </p:timing>
-</p:sld>
-</file>
-
-<file path=ppt/slides/slide8.xml><?xml version="1.0" encoding="utf-8"?>
-<p:sld xmlns:a="http://schemas.openxmlformats.org/drawingml/2006/main" xmlns:r="http://schemas.openxmlformats.org/officeDocument/2006/relationships" xmlns:p="http://schemas.openxmlformats.org/presentationml/2006/main">
-  <p:cSld>
-    <p:spTree>
-      <p:nvGrpSpPr>
-        <p:cNvPr id="1" name=""/>
-        <p:cNvGrpSpPr/>
-        <p:nvPr/>
-      </p:nvGrpSpPr>
-      <p:grpSpPr>
-        <a:xfrm>
-          <a:off x="0" y="0"/>
-          <a:ext cx="0" cy="0"/>
-          <a:chOff x="0" y="0"/>
-          <a:chExt cx="0" cy="0"/>
-        </a:xfrm>
-      </p:grpSpPr>
-      <p:sp>
-        <p:nvSpPr>
-          <p:cNvPr id="2" name="標題 1"/>
-          <p:cNvSpPr>
-            <a:spLocks noGrp="1"/>
-          </p:cNvSpPr>
-          <p:nvPr>
-            <p:ph type="title"/>
-          </p:nvPr>
-        </p:nvSpPr>
-        <p:spPr/>
-        <p:txBody>
-          <a:bodyPr/>
-          <a:lstStyle/>
-          <a:p>
-            <a:r>
-              <a:rPr lang="en-US" altLang="zh-TW" dirty="0" smtClean="0"/>
-              <a:t>Blink</a:t>
-            </a:r>
-            <a:endParaRPr lang="en-US" dirty="0"/>
-          </a:p>
-        </p:txBody>
-      </p:sp>
-      <p:pic>
-        <p:nvPicPr>
-          <p:cNvPr id="4" name="內容版面配置區 3"/>
-          <p:cNvPicPr>
-            <a:picLocks noGrp="1" noChangeAspect="1"/>
-          </p:cNvPicPr>
-          <p:nvPr>
-            <p:ph idx="1"/>
-          </p:nvPr>
-        </p:nvPicPr>
-        <p:blipFill>
-          <a:blip r:embed="rId2"/>
-          <a:stretch>
-            <a:fillRect/>
-          </a:stretch>
-        </p:blipFill>
-        <p:spPr>
-          <a:xfrm>
-            <a:off x="3697119" y="420687"/>
-            <a:ext cx="7992837" cy="5938549"/>
-          </a:xfrm>
-          <a:prstGeom prst="rect">
-            <a:avLst/>
-          </a:prstGeom>
-        </p:spPr>
-      </p:pic>
-    </p:spTree>
-    <p:extLst>
-      <p:ext uri="{BB962C8B-B14F-4D97-AF65-F5344CB8AC3E}">
-        <p14:creationId xmlns:p14="http://schemas.microsoft.com/office/powerpoint/2010/main" val="1648630652"/>
-      </p:ext>
-    </p:extLst>
-  </p:cSld>
-  <p:clrMapOvr>
-    <a:masterClrMapping/>
-  </p:clrMapOvr>
-  <p:timing>
-    <p:tnLst>
-      <p:par>
-        <p:cTn id="1" dur="indefinite" restart="never" nodeType="tmRoot"/>
-      </p:par>
-    </p:tnLst>
-  </p:timing>
-</p:sld>
-</file>
-
-<file path=ppt/slides/slide9.xml><?xml version="1.0" encoding="utf-8"?>
-<p:sld xmlns:a="http://schemas.openxmlformats.org/drawingml/2006/main" xmlns:r="http://schemas.openxmlformats.org/officeDocument/2006/relationships" xmlns:p="http://schemas.openxmlformats.org/presentationml/2006/main">
-  <p:cSld>
-    <p:spTree>
-      <p:nvGrpSpPr>
-        <p:cNvPr id="1" name=""/>
-        <p:cNvGrpSpPr/>
-        <p:nvPr/>
-      </p:nvGrpSpPr>
-      <p:grpSpPr>
-        <a:xfrm>
-          <a:off x="0" y="0"/>
-          <a:ext cx="0" cy="0"/>
-          <a:chOff x="0" y="0"/>
-          <a:chExt cx="0" cy="0"/>
-        </a:xfrm>
-      </p:grpSpPr>
-      <p:sp>
-        <p:nvSpPr>
-          <p:cNvPr id="2" name="標題 1"/>
-          <p:cNvSpPr>
-            <a:spLocks noGrp="1"/>
-          </p:cNvSpPr>
-          <p:nvPr>
-            <p:ph type="title"/>
-          </p:nvPr>
-        </p:nvSpPr>
-        <p:spPr>
-          <a:xfrm>
-            <a:off x="1141413" y="187695"/>
-            <a:ext cx="9905998" cy="1478570"/>
-          </a:xfrm>
-        </p:spPr>
-        <p:txBody>
-          <a:bodyPr/>
-          <a:lstStyle/>
-          <a:p>
-            <a:r>
-              <a:rPr lang="en-US" dirty="0" smtClean="0"/>
-              <a:t>Analog</a:t>
-            </a:r>
-            <a:endParaRPr lang="en-US" dirty="0"/>
-          </a:p>
-        </p:txBody>
-      </p:sp>
-      <p:pic>
-        <p:nvPicPr>
-          <p:cNvPr id="6" name="內容版面配置區 5"/>
-          <p:cNvPicPr>
-            <a:picLocks noGrp="1" noChangeAspect="1"/>
-          </p:cNvPicPr>
-          <p:nvPr>
-            <p:ph idx="1"/>
-          </p:nvPr>
-        </p:nvPicPr>
-        <p:blipFill>
-          <a:blip r:embed="rId2">
-            <a:extLst>
-              <a:ext uri="{28A0092B-C50C-407E-A947-70E740481C1C}">
-                <a14:useLocalDpi xmlns:a14="http://schemas.microsoft.com/office/drawing/2010/main" val="0"/>
-              </a:ext>
-            </a:extLst>
-          </a:blip>
-          <a:stretch>
-            <a:fillRect/>
-          </a:stretch>
-        </p:blipFill>
-        <p:spPr>
-          <a:xfrm>
-            <a:off x="5701909" y="552572"/>
-            <a:ext cx="5345502" cy="4670059"/>
-          </a:xfrm>
-        </p:spPr>
-      </p:pic>
-      <p:pic>
-        <p:nvPicPr>
-          <p:cNvPr id="7" name="圖片 6"/>
-          <p:cNvPicPr>
-            <a:picLocks noChangeAspect="1"/>
-          </p:cNvPicPr>
-          <p:nvPr/>
-        </p:nvPicPr>
-        <p:blipFill>
-          <a:blip r:embed="rId3"/>
-          <a:stretch>
-            <a:fillRect/>
-          </a:stretch>
-        </p:blipFill>
-        <p:spPr>
-          <a:xfrm>
-            <a:off x="1141413" y="1294624"/>
-            <a:ext cx="3943900" cy="5563376"/>
-          </a:xfrm>
-          <a:prstGeom prst="rect">
-            <a:avLst/>
-          </a:prstGeom>
-        </p:spPr>
-      </p:pic>
-    </p:spTree>
-    <p:extLst>
-      <p:ext uri="{BB962C8B-B14F-4D97-AF65-F5344CB8AC3E}">
-        <p14:creationId xmlns:p14="http://schemas.microsoft.com/office/powerpoint/2010/main" val="2194161418"/>
+        <p14:creationId xmlns:p14="http://schemas.microsoft.com/office/powerpoint/2010/main" val="3704661634"/>
       </p:ext>
     </p:extLst>
   </p:cSld>
